--- a/Requirement Engineering/Mockup/Icone Figma.pptx
+++ b/Requirement Engineering/Mockup/Icone Figma.pptx
@@ -104,6 +104,11 @@
       </a:defRPr>
     </a:lvl9pPr>
   </p:defaultTextStyle>
+  <p:extLst>
+    <p:ext uri="{EFAFB233-063F-42B5-8137-9DF3F51BA10A}">
+      <p15:sldGuideLst xmlns:p15="http://schemas.microsoft.com/office/powerpoint/2012/main"/>
+    </p:ext>
+  </p:extLst>
 </p:presentation>
 </file>
 
@@ -254,7 +259,7 @@
           <a:p>
             <a:fld id="{9523243C-B943-4137-A20E-332B40A63883}" type="datetimeFigureOut">
               <a:rPr lang="it-IT" smtClean="0"/>
-              <a:t>22/01/2024</a:t>
+              <a:t>15/02/2024</a:t>
             </a:fld>
             <a:endParaRPr lang="it-IT"/>
           </a:p>
@@ -452,7 +457,7 @@
           <a:p>
             <a:fld id="{9523243C-B943-4137-A20E-332B40A63883}" type="datetimeFigureOut">
               <a:rPr lang="it-IT" smtClean="0"/>
-              <a:t>22/01/2024</a:t>
+              <a:t>15/02/2024</a:t>
             </a:fld>
             <a:endParaRPr lang="it-IT"/>
           </a:p>
@@ -660,7 +665,7 @@
           <a:p>
             <a:fld id="{9523243C-B943-4137-A20E-332B40A63883}" type="datetimeFigureOut">
               <a:rPr lang="it-IT" smtClean="0"/>
-              <a:t>22/01/2024</a:t>
+              <a:t>15/02/2024</a:t>
             </a:fld>
             <a:endParaRPr lang="it-IT"/>
           </a:p>
@@ -858,7 +863,7 @@
           <a:p>
             <a:fld id="{9523243C-B943-4137-A20E-332B40A63883}" type="datetimeFigureOut">
               <a:rPr lang="it-IT" smtClean="0"/>
-              <a:t>22/01/2024</a:t>
+              <a:t>15/02/2024</a:t>
             </a:fld>
             <a:endParaRPr lang="it-IT"/>
           </a:p>
@@ -1133,7 +1138,7 @@
           <a:p>
             <a:fld id="{9523243C-B943-4137-A20E-332B40A63883}" type="datetimeFigureOut">
               <a:rPr lang="it-IT" smtClean="0"/>
-              <a:t>22/01/2024</a:t>
+              <a:t>15/02/2024</a:t>
             </a:fld>
             <a:endParaRPr lang="it-IT"/>
           </a:p>
@@ -1398,7 +1403,7 @@
           <a:p>
             <a:fld id="{9523243C-B943-4137-A20E-332B40A63883}" type="datetimeFigureOut">
               <a:rPr lang="it-IT" smtClean="0"/>
-              <a:t>22/01/2024</a:t>
+              <a:t>15/02/2024</a:t>
             </a:fld>
             <a:endParaRPr lang="it-IT"/>
           </a:p>
@@ -1810,7 +1815,7 @@
           <a:p>
             <a:fld id="{9523243C-B943-4137-A20E-332B40A63883}" type="datetimeFigureOut">
               <a:rPr lang="it-IT" smtClean="0"/>
-              <a:t>22/01/2024</a:t>
+              <a:t>15/02/2024</a:t>
             </a:fld>
             <a:endParaRPr lang="it-IT"/>
           </a:p>
@@ -1951,7 +1956,7 @@
           <a:p>
             <a:fld id="{9523243C-B943-4137-A20E-332B40A63883}" type="datetimeFigureOut">
               <a:rPr lang="it-IT" smtClean="0"/>
-              <a:t>22/01/2024</a:t>
+              <a:t>15/02/2024</a:t>
             </a:fld>
             <a:endParaRPr lang="it-IT"/>
           </a:p>
@@ -2064,7 +2069,7 @@
           <a:p>
             <a:fld id="{9523243C-B943-4137-A20E-332B40A63883}" type="datetimeFigureOut">
               <a:rPr lang="it-IT" smtClean="0"/>
-              <a:t>22/01/2024</a:t>
+              <a:t>15/02/2024</a:t>
             </a:fld>
             <a:endParaRPr lang="it-IT"/>
           </a:p>
@@ -2375,7 +2380,7 @@
           <a:p>
             <a:fld id="{9523243C-B943-4137-A20E-332B40A63883}" type="datetimeFigureOut">
               <a:rPr lang="it-IT" smtClean="0"/>
-              <a:t>22/01/2024</a:t>
+              <a:t>15/02/2024</a:t>
             </a:fld>
             <a:endParaRPr lang="it-IT"/>
           </a:p>
@@ -2663,7 +2668,7 @@
           <a:p>
             <a:fld id="{9523243C-B943-4137-A20E-332B40A63883}" type="datetimeFigureOut">
               <a:rPr lang="it-IT" smtClean="0"/>
-              <a:t>22/01/2024</a:t>
+              <a:t>15/02/2024</a:t>
             </a:fld>
             <a:endParaRPr lang="it-IT"/>
           </a:p>
@@ -2740,8 +2745,8 @@
 <p:sldMaster xmlns:a="http://schemas.openxmlformats.org/drawingml/2006/main" xmlns:r="http://schemas.openxmlformats.org/officeDocument/2006/relationships" xmlns:p="http://schemas.openxmlformats.org/presentationml/2006/main">
   <p:cSld>
     <p:bg>
-      <p:bgRef idx="1001">
-        <a:schemeClr val="bg1"/>
+      <p:bgRef idx="1002">
+        <a:schemeClr val="bg2"/>
       </p:bgRef>
     </p:bg>
     <p:spTree>
@@ -2904,7 +2909,7 @@
           <a:p>
             <a:fld id="{9523243C-B943-4137-A20E-332B40A63883}" type="datetimeFigureOut">
               <a:rPr lang="it-IT" smtClean="0"/>
-              <a:t>22/01/2024</a:t>
+              <a:t>15/02/2024</a:t>
             </a:fld>
             <a:endParaRPr lang="it-IT"/>
           </a:p>
@@ -3007,7 +3012,7 @@
       </p:ext>
     </p:extLst>
   </p:cSld>
-  <p:clrMap bg1="lt1" tx1="dk1" bg2="lt2" tx2="dk2" accent1="accent1" accent2="accent2" accent3="accent3" accent4="accent4" accent5="accent5" accent6="accent6" hlink="hlink" folHlink="folHlink"/>
+  <p:clrMap bg1="dk1" tx1="lt1" bg2="dk2" tx2="lt2" accent1="accent1" accent2="accent2" accent3="accent3" accent4="accent4" accent5="accent5" accent6="accent6" hlink="hlink" folHlink="folHlink"/>
   <p:sldLayoutIdLst>
     <p:sldLayoutId id="2147483649" r:id="rId1"/>
     <p:sldLayoutId id="2147483650" r:id="rId2"/>
@@ -4195,7 +4200,7 @@
 <file path=ppt/theme/theme1.xml><?xml version="1.0" encoding="utf-8"?>
 <a:theme xmlns:a="http://schemas.openxmlformats.org/drawingml/2006/main" name="Tema di Office">
   <a:themeElements>
-    <a:clrScheme name="Office">
+    <a:clrScheme name="Rosso viola">
       <a:dk1>
         <a:sysClr val="windowText" lastClr="000000"/>
       </a:dk1>
@@ -4203,34 +4208,34 @@
         <a:sysClr val="window" lastClr="FFFFFF"/>
       </a:lt1>
       <a:dk2>
-        <a:srgbClr val="44546A"/>
+        <a:srgbClr val="454551"/>
       </a:dk2>
       <a:lt2>
-        <a:srgbClr val="E7E6E6"/>
+        <a:srgbClr val="D8D9DC"/>
       </a:lt2>
       <a:accent1>
-        <a:srgbClr val="4472C4"/>
+        <a:srgbClr val="E32D91"/>
       </a:accent1>
       <a:accent2>
-        <a:srgbClr val="ED7D31"/>
+        <a:srgbClr val="C830CC"/>
       </a:accent2>
       <a:accent3>
-        <a:srgbClr val="A5A5A5"/>
+        <a:srgbClr val="4EA6DC"/>
       </a:accent3>
       <a:accent4>
-        <a:srgbClr val="FFC000"/>
+        <a:srgbClr val="4775E7"/>
       </a:accent4>
       <a:accent5>
-        <a:srgbClr val="5B9BD5"/>
+        <a:srgbClr val="8971E1"/>
       </a:accent5>
       <a:accent6>
-        <a:srgbClr val="70AD47"/>
+        <a:srgbClr val="D54773"/>
       </a:accent6>
       <a:hlink>
-        <a:srgbClr val="0563C1"/>
+        <a:srgbClr val="6B9F25"/>
       </a:hlink>
       <a:folHlink>
-        <a:srgbClr val="954F72"/>
+        <a:srgbClr val="8C8C8C"/>
       </a:folHlink>
     </a:clrScheme>
     <a:fontScheme name="Office">
